--- a/Slide/06- Control and Loop Structures.pptx
+++ b/Slide/06- Control and Loop Structures.pptx
@@ -5,10 +5,10 @@
     <p:sldMasterId id="2147483714" r:id="rId4"/>
   </p:sldMasterIdLst>
   <p:notesMasterIdLst>
-    <p:notesMasterId r:id="rId32"/>
+    <p:notesMasterId r:id="rId33"/>
   </p:notesMasterIdLst>
   <p:handoutMasterIdLst>
-    <p:handoutMasterId r:id="rId33"/>
+    <p:handoutMasterId r:id="rId34"/>
   </p:handoutMasterIdLst>
   <p:sldIdLst>
     <p:sldId id="263" r:id="rId5"/>
@@ -32,12 +32,13 @@
     <p:sldId id="394" r:id="rId23"/>
     <p:sldId id="356" r:id="rId24"/>
     <p:sldId id="359" r:id="rId25"/>
-    <p:sldId id="361" r:id="rId26"/>
-    <p:sldId id="339" r:id="rId27"/>
-    <p:sldId id="345" r:id="rId28"/>
-    <p:sldId id="337" r:id="rId29"/>
-    <p:sldId id="403" r:id="rId30"/>
-    <p:sldId id="269" r:id="rId31"/>
+    <p:sldId id="405" r:id="rId26"/>
+    <p:sldId id="361" r:id="rId27"/>
+    <p:sldId id="339" r:id="rId28"/>
+    <p:sldId id="345" r:id="rId29"/>
+    <p:sldId id="337" r:id="rId30"/>
+    <p:sldId id="403" r:id="rId31"/>
+    <p:sldId id="269" r:id="rId32"/>
   </p:sldIdLst>
   <p:sldSz cx="12192000" cy="6858000"/>
   <p:notesSz cx="6858000" cy="9144000"/>
@@ -241,7 +242,7 @@
           <a:p>
             <a:fld id="{F5647B97-F030-426D-A9D1-6B39B13C23ED}" type="datetimeFigureOut">
               <a:rPr lang="en-US" smtClean="0"/>
-              <a:t>3/5/2023</a:t>
+              <a:t>3/6/2023</a:t>
             </a:fld>
             <a:endParaRPr lang="en-US" dirty="0"/>
           </a:p>
@@ -418,7 +419,7 @@
           <a:p>
             <a:fld id="{6AF24CBC-D461-4ECA-A489-D3A30E0FB795}" type="datetimeFigureOut">
               <a:rPr lang="en-US" smtClean="0"/>
-              <a:t>3/5/2023</a:t>
+              <a:t>3/6/2023</a:t>
             </a:fld>
             <a:endParaRPr lang="en-US" dirty="0"/>
           </a:p>
@@ -1200,7 +1201,7 @@
           <a:p>
             <a:fld id="{530D48CF-CA04-4783-93AD-979ACAA61BAD}" type="datetime1">
               <a:rPr lang="en-US" smtClean="0"/>
-              <a:t>3/5/2023</a:t>
+              <a:t>3/6/2023</a:t>
             </a:fld>
             <a:endParaRPr lang="en-US" dirty="0"/>
           </a:p>
@@ -1479,7 +1480,7 @@
           <a:p>
             <a:fld id="{B3CD8F5E-101B-4FAA-9D82-961F1DB1544E}" type="datetime1">
               <a:rPr lang="en-US" smtClean="0"/>
-              <a:t>3/5/2023</a:t>
+              <a:t>3/6/2023</a:t>
             </a:fld>
             <a:endParaRPr lang="en-US" dirty="0"/>
           </a:p>
@@ -1706,7 +1707,7 @@
           <a:p>
             <a:fld id="{ED27139F-35B2-43FA-B637-88921C5FFDC1}" type="datetime1">
               <a:rPr lang="en-US" smtClean="0"/>
-              <a:t>3/5/2023</a:t>
+              <a:t>3/6/2023</a:t>
             </a:fld>
             <a:endParaRPr lang="en-US" dirty="0"/>
           </a:p>
@@ -1907,7 +1908,7 @@
           <a:p>
             <a:fld id="{B70B01E3-C0B1-4B9B-89A9-02A94F8923FD}" type="datetime1">
               <a:rPr lang="en-US" smtClean="0"/>
-              <a:t>3/5/2023</a:t>
+              <a:t>3/6/2023</a:t>
             </a:fld>
             <a:endParaRPr lang="en-US" dirty="0"/>
           </a:p>
@@ -2098,7 +2099,7 @@
           <a:p>
             <a:fld id="{AD6E31F1-ECC9-4BD6-B025-EF3978C15B30}" type="datetime1">
               <a:rPr lang="en-US" smtClean="0"/>
-              <a:t>3/5/2023</a:t>
+              <a:t>3/6/2023</a:t>
             </a:fld>
             <a:endParaRPr lang="en-US" dirty="0"/>
           </a:p>
@@ -2406,7 +2407,7 @@
           <a:p>
             <a:fld id="{0723E066-FCF7-4D43-8CE1-1C08EC1A1793}" type="datetime1">
               <a:rPr lang="en-US" smtClean="0"/>
-              <a:t>3/5/2023</a:t>
+              <a:t>3/6/2023</a:t>
             </a:fld>
             <a:endParaRPr lang="en-US" dirty="0"/>
           </a:p>
@@ -2837,7 +2838,7 @@
           <a:p>
             <a:fld id="{56DC8794-11C8-4B79-A4E9-18EDC7F6F0E1}" type="datetime1">
               <a:rPr lang="en-US" smtClean="0"/>
-              <a:t>3/5/2023</a:t>
+              <a:t>3/6/2023</a:t>
             </a:fld>
             <a:endParaRPr lang="en-US" dirty="0"/>
           </a:p>
@@ -2964,7 +2965,7 @@
           <a:p>
             <a:fld id="{A3CD5C23-9E41-495D-915A-9AA2F40B498D}" type="datetime1">
               <a:rPr lang="en-US" smtClean="0"/>
-              <a:t>3/5/2023</a:t>
+              <a:t>3/6/2023</a:t>
             </a:fld>
             <a:endParaRPr lang="en-US" dirty="0"/>
           </a:p>
@@ -3063,7 +3064,7 @@
           <a:p>
             <a:fld id="{44F57D3B-5F64-44A5-AA84-66F74DA0B34C}" type="datetime1">
               <a:rPr lang="en-US" smtClean="0"/>
-              <a:t>3/5/2023</a:t>
+              <a:t>3/6/2023</a:t>
             </a:fld>
             <a:endParaRPr lang="en-US" dirty="0"/>
           </a:p>
@@ -3368,7 +3369,7 @@
           <a:p>
             <a:fld id="{2A0FC8FD-3A4C-43CB-AF34-DC8E25AC924B}" type="datetime1">
               <a:rPr lang="en-US" smtClean="0"/>
-              <a:t>3/5/2023</a:t>
+              <a:t>3/6/2023</a:t>
             </a:fld>
             <a:endParaRPr lang="en-US" dirty="0"/>
           </a:p>
@@ -3642,7 +3643,7 @@
           <a:p>
             <a:fld id="{7B82EBCC-AAFA-45D8-862F-DAF4C6B28F16}" type="datetime1">
               <a:rPr lang="en-US" smtClean="0"/>
-              <a:t>3/5/2023</a:t>
+              <a:t>3/6/2023</a:t>
             </a:fld>
             <a:endParaRPr lang="en-US" dirty="0"/>
           </a:p>
@@ -3893,7 +3894,7 @@
           <a:p>
             <a:fld id="{DDB2D2ED-04BA-4C3B-A1BA-41B691232536}" type="datetime1">
               <a:rPr lang="en-US" smtClean="0"/>
-              <a:t>3/5/2023</a:t>
+              <a:t>3/6/2023</a:t>
             </a:fld>
             <a:endParaRPr lang="en-US" dirty="0"/>
           </a:p>
@@ -4559,18 +4560,11 @@
               <a:defRPr/>
             </a:pPr>
             <a:r>
-              <a:rPr lang="en-US" b="0" i="1">
-                <a:effectLst/>
-                <a:latin typeface="-apple-system"/>
-              </a:rPr>
-              <a:t>Adjunct Professor | </a:t>
-            </a:r>
-            <a:r>
               <a:rPr lang="en-US" b="0" i="1" dirty="0">
                 <a:effectLst/>
                 <a:latin typeface="-apple-system"/>
               </a:rPr>
-              <a:t>Sharif University of Technology</a:t>
+              <a:t>Adjunct Professor | Sharif University of Technology</a:t>
             </a:r>
             <a:endParaRPr lang="en-US" i="1" dirty="0"/>
           </a:p>
@@ -8841,6 +8835,150 @@
           <p:cNvPr id="2" name="Title 1">
             <a:extLst>
               <a:ext uri="{FF2B5EF4-FFF2-40B4-BE49-F238E27FC236}">
+                <a16:creationId xmlns:a16="http://schemas.microsoft.com/office/drawing/2014/main" id="{23E5CA0C-DB7B-4B09-8856-133589BC21CF}"/>
+              </a:ext>
+            </a:extLst>
+          </p:cNvPr>
+          <p:cNvSpPr>
+            <a:spLocks noGrp="1"/>
+          </p:cNvSpPr>
+          <p:nvPr>
+            <p:ph type="title"/>
+          </p:nvPr>
+        </p:nvSpPr>
+        <p:spPr/>
+        <p:txBody>
+          <a:bodyPr/>
+          <a:lstStyle/>
+          <a:p>
+            <a:r>
+              <a:rPr lang="en-US" dirty="0"/>
+              <a:t>Example of news</a:t>
+            </a:r>
+          </a:p>
+        </p:txBody>
+      </p:sp>
+      <p:sp>
+        <p:nvSpPr>
+          <p:cNvPr id="3" name="Content Placeholder 2">
+            <a:extLst>
+              <a:ext uri="{FF2B5EF4-FFF2-40B4-BE49-F238E27FC236}">
+                <a16:creationId xmlns:a16="http://schemas.microsoft.com/office/drawing/2014/main" id="{32BFE6BA-F27D-CA80-4666-CDAFFA6E00E9}"/>
+              </a:ext>
+            </a:extLst>
+          </p:cNvPr>
+          <p:cNvSpPr>
+            <a:spLocks noGrp="1"/>
+          </p:cNvSpPr>
+          <p:nvPr>
+            <p:ph idx="1"/>
+          </p:nvPr>
+        </p:nvSpPr>
+        <p:spPr/>
+        <p:txBody>
+          <a:bodyPr/>
+          <a:lstStyle/>
+          <a:p>
+            <a:r>
+              <a:rPr lang="en-US" dirty="0"/>
+              <a:t>https://www.theguardian.com/uk-news/2023/mar/05/rishi-sunaks-plan-for-small-boats-will-lock-up-people-fleeing-war</a:t>
+            </a:r>
+          </a:p>
+        </p:txBody>
+      </p:sp>
+      <p:sp>
+        <p:nvSpPr>
+          <p:cNvPr id="4" name="Footer Placeholder 3">
+            <a:extLst>
+              <a:ext uri="{FF2B5EF4-FFF2-40B4-BE49-F238E27FC236}">
+                <a16:creationId xmlns:a16="http://schemas.microsoft.com/office/drawing/2014/main" id="{E4DAF591-9EDE-2A04-5F83-78BDFF3FDC71}"/>
+              </a:ext>
+            </a:extLst>
+          </p:cNvPr>
+          <p:cNvSpPr>
+            <a:spLocks noGrp="1"/>
+          </p:cNvSpPr>
+          <p:nvPr>
+            <p:ph type="ftr" sz="quarter" idx="11"/>
+          </p:nvPr>
+        </p:nvSpPr>
+        <p:spPr/>
+        <p:txBody>
+          <a:bodyPr/>
+          <a:lstStyle/>
+          <a:p>
+            <a:r>
+              <a:rPr lang="en-US"/>
+              <a:t>Fundamental Programming with Python</a:t>
+            </a:r>
+            <a:endParaRPr lang="en-US" dirty="0"/>
+          </a:p>
+        </p:txBody>
+      </p:sp>
+      <p:sp>
+        <p:nvSpPr>
+          <p:cNvPr id="5" name="Slide Number Placeholder 4">
+            <a:extLst>
+              <a:ext uri="{FF2B5EF4-FFF2-40B4-BE49-F238E27FC236}">
+                <a16:creationId xmlns:a16="http://schemas.microsoft.com/office/drawing/2014/main" id="{B29F4B71-6A2B-FCD1-4AC0-14097823D3F1}"/>
+              </a:ext>
+            </a:extLst>
+          </p:cNvPr>
+          <p:cNvSpPr>
+            <a:spLocks noGrp="1"/>
+          </p:cNvSpPr>
+          <p:nvPr>
+            <p:ph type="sldNum" sz="quarter" idx="12"/>
+          </p:nvPr>
+        </p:nvSpPr>
+        <p:spPr/>
+        <p:txBody>
+          <a:bodyPr/>
+          <a:lstStyle/>
+          <a:p>
+            <a:fld id="{0079CAC6-A72B-4EF8-B465-34FA47827E7F}" type="slidenum">
+              <a:rPr lang="en-US" smtClean="0"/>
+              <a:t>22</a:t>
+            </a:fld>
+            <a:endParaRPr lang="en-US" dirty="0"/>
+          </a:p>
+        </p:txBody>
+      </p:sp>
+    </p:spTree>
+    <p:extLst>
+      <p:ext uri="{BB962C8B-B14F-4D97-AF65-F5344CB8AC3E}">
+        <p14:creationId xmlns:p14="http://schemas.microsoft.com/office/powerpoint/2010/main" val="962310781"/>
+      </p:ext>
+    </p:extLst>
+  </p:cSld>
+  <p:clrMapOvr>
+    <a:masterClrMapping/>
+  </p:clrMapOvr>
+</p:sld>
+</file>
+
+<file path=ppt/slides/slide23.xml><?xml version="1.0" encoding="utf-8"?>
+<p:sld xmlns:a="http://schemas.openxmlformats.org/drawingml/2006/main" xmlns:r="http://schemas.openxmlformats.org/officeDocument/2006/relationships" xmlns:p="http://schemas.openxmlformats.org/presentationml/2006/main">
+  <p:cSld>
+    <p:spTree>
+      <p:nvGrpSpPr>
+        <p:cNvPr id="1" name=""/>
+        <p:cNvGrpSpPr/>
+        <p:nvPr/>
+      </p:nvGrpSpPr>
+      <p:grpSpPr>
+        <a:xfrm>
+          <a:off x="0" y="0"/>
+          <a:ext cx="0" cy="0"/>
+          <a:chOff x="0" y="0"/>
+          <a:chExt cx="0" cy="0"/>
+        </a:xfrm>
+      </p:grpSpPr>
+      <p:sp>
+        <p:nvSpPr>
+          <p:cNvPr id="2" name="Title 1">
+            <a:extLst>
+              <a:ext uri="{FF2B5EF4-FFF2-40B4-BE49-F238E27FC236}">
                 <a16:creationId xmlns:a16="http://schemas.microsoft.com/office/drawing/2014/main" id="{B3DC2EDE-24AC-E898-BFE7-2BA534AE08CD}"/>
               </a:ext>
             </a:extLst>
@@ -9011,7 +9149,7 @@
           <a:p>
             <a:fld id="{0079CAC6-A72B-4EF8-B465-34FA47827E7F}" type="slidenum">
               <a:rPr lang="en-US" smtClean="0"/>
-              <a:t>22</a:t>
+              <a:t>23</a:t>
             </a:fld>
             <a:endParaRPr lang="en-US" dirty="0"/>
           </a:p>
@@ -9609,7 +9747,7 @@
 </p:sld>
 </file>
 
-<file path=ppt/slides/slide23.xml><?xml version="1.0" encoding="utf-8"?>
+<file path=ppt/slides/slide24.xml><?xml version="1.0" encoding="utf-8"?>
 <p:sld xmlns:a="http://schemas.openxmlformats.org/drawingml/2006/main" xmlns:r="http://schemas.openxmlformats.org/officeDocument/2006/relationships" xmlns:p="http://schemas.openxmlformats.org/presentationml/2006/main">
   <p:cSld>
     <p:spTree>
@@ -9753,7 +9891,7 @@
           <a:p>
             <a:fld id="{0079CAC6-A72B-4EF8-B465-34FA47827E7F}" type="slidenum">
               <a:rPr lang="en-US" smtClean="0"/>
-              <a:t>23</a:t>
+              <a:t>24</a:t>
             </a:fld>
             <a:endParaRPr lang="en-US" dirty="0"/>
           </a:p>
@@ -9819,123 +9957,6 @@
 </p:sld>
 </file>
 
-<file path=ppt/slides/slide24.xml><?xml version="1.0" encoding="utf-8"?>
-<p:sld xmlns:a="http://schemas.openxmlformats.org/drawingml/2006/main" xmlns:r="http://schemas.openxmlformats.org/officeDocument/2006/relationships" xmlns:p="http://schemas.openxmlformats.org/presentationml/2006/main">
-  <p:cSld>
-    <p:spTree>
-      <p:nvGrpSpPr>
-        <p:cNvPr id="1" name=""/>
-        <p:cNvGrpSpPr/>
-        <p:nvPr/>
-      </p:nvGrpSpPr>
-      <p:grpSpPr>
-        <a:xfrm>
-          <a:off x="0" y="0"/>
-          <a:ext cx="0" cy="0"/>
-          <a:chOff x="0" y="0"/>
-          <a:chExt cx="0" cy="0"/>
-        </a:xfrm>
-      </p:grpSpPr>
-      <p:sp>
-        <p:nvSpPr>
-          <p:cNvPr id="5" name="Title 4">
-            <a:extLst>
-              <a:ext uri="{FF2B5EF4-FFF2-40B4-BE49-F238E27FC236}">
-                <a16:creationId xmlns:a16="http://schemas.microsoft.com/office/drawing/2014/main" id="{3E1FC432-A453-870C-34F6-F5AB1E824DD3}"/>
-              </a:ext>
-            </a:extLst>
-          </p:cNvPr>
-          <p:cNvSpPr>
-            <a:spLocks noGrp="1"/>
-          </p:cNvSpPr>
-          <p:nvPr>
-            <p:ph type="title"/>
-          </p:nvPr>
-        </p:nvSpPr>
-        <p:spPr/>
-        <p:txBody>
-          <a:bodyPr/>
-          <a:lstStyle/>
-          <a:p>
-            <a:r>
-              <a:rPr lang="en-US" dirty="0"/>
-              <a:t>Application of Programming in the Digital Age!</a:t>
-            </a:r>
-            <a:endParaRPr lang="fa-IR" dirty="0"/>
-          </a:p>
-        </p:txBody>
-      </p:sp>
-      <p:sp>
-        <p:nvSpPr>
-          <p:cNvPr id="4" name="Slide Number Placeholder 3">
-            <a:extLst>
-              <a:ext uri="{FF2B5EF4-FFF2-40B4-BE49-F238E27FC236}">
-                <a16:creationId xmlns:a16="http://schemas.microsoft.com/office/drawing/2014/main" id="{872D2B23-7846-DE1D-E096-383132454A1B}"/>
-              </a:ext>
-            </a:extLst>
-          </p:cNvPr>
-          <p:cNvSpPr>
-            <a:spLocks noGrp="1"/>
-          </p:cNvSpPr>
-          <p:nvPr>
-            <p:ph type="sldNum" sz="quarter" idx="12"/>
-          </p:nvPr>
-        </p:nvSpPr>
-        <p:spPr/>
-        <p:txBody>
-          <a:bodyPr/>
-          <a:lstStyle/>
-          <a:p>
-            <a:fld id="{0079CAC6-A72B-4EF8-B465-34FA47827E7F}" type="slidenum">
-              <a:rPr lang="en-US" smtClean="0"/>
-              <a:t>24</a:t>
-            </a:fld>
-            <a:endParaRPr lang="en-US" dirty="0"/>
-          </a:p>
-        </p:txBody>
-      </p:sp>
-      <p:sp>
-        <p:nvSpPr>
-          <p:cNvPr id="2" name="Footer Placeholder 1">
-            <a:extLst>
-              <a:ext uri="{FF2B5EF4-FFF2-40B4-BE49-F238E27FC236}">
-                <a16:creationId xmlns:a16="http://schemas.microsoft.com/office/drawing/2014/main" id="{88F3A02B-EBDE-A1C4-048E-E606628F0D93}"/>
-              </a:ext>
-            </a:extLst>
-          </p:cNvPr>
-          <p:cNvSpPr>
-            <a:spLocks noGrp="1"/>
-          </p:cNvSpPr>
-          <p:nvPr>
-            <p:ph type="ftr" sz="quarter" idx="11"/>
-          </p:nvPr>
-        </p:nvSpPr>
-        <p:spPr/>
-        <p:txBody>
-          <a:bodyPr/>
-          <a:lstStyle/>
-          <a:p>
-            <a:r>
-              <a:rPr lang="en-US"/>
-              <a:t>Fundamental Programming with Python</a:t>
-            </a:r>
-            <a:endParaRPr lang="en-US" dirty="0"/>
-          </a:p>
-        </p:txBody>
-      </p:sp>
-    </p:spTree>
-    <p:extLst>
-      <p:ext uri="{BB962C8B-B14F-4D97-AF65-F5344CB8AC3E}">
-        <p14:creationId xmlns:p14="http://schemas.microsoft.com/office/powerpoint/2010/main" val="2564189193"/>
-      </p:ext>
-    </p:extLst>
-  </p:cSld>
-  <p:clrMapOvr>
-    <a:masterClrMapping/>
-  </p:clrMapOvr>
-</p:sld>
-</file>
-
 <file path=ppt/slides/slide25.xml><?xml version="1.0" encoding="utf-8"?>
 <p:sld xmlns:a="http://schemas.openxmlformats.org/drawingml/2006/main" xmlns:r="http://schemas.openxmlformats.org/officeDocument/2006/relationships" xmlns:p="http://schemas.openxmlformats.org/presentationml/2006/main">
   <p:cSld>
@@ -9955,6 +9976,123 @@
       </p:grpSpPr>
       <p:sp>
         <p:nvSpPr>
+          <p:cNvPr id="5" name="Title 4">
+            <a:extLst>
+              <a:ext uri="{FF2B5EF4-FFF2-40B4-BE49-F238E27FC236}">
+                <a16:creationId xmlns:a16="http://schemas.microsoft.com/office/drawing/2014/main" id="{3E1FC432-A453-870C-34F6-F5AB1E824DD3}"/>
+              </a:ext>
+            </a:extLst>
+          </p:cNvPr>
+          <p:cNvSpPr>
+            <a:spLocks noGrp="1"/>
+          </p:cNvSpPr>
+          <p:nvPr>
+            <p:ph type="title"/>
+          </p:nvPr>
+        </p:nvSpPr>
+        <p:spPr/>
+        <p:txBody>
+          <a:bodyPr/>
+          <a:lstStyle/>
+          <a:p>
+            <a:r>
+              <a:rPr lang="en-US" dirty="0"/>
+              <a:t>Application of Programming in the Digital Age!</a:t>
+            </a:r>
+            <a:endParaRPr lang="fa-IR" dirty="0"/>
+          </a:p>
+        </p:txBody>
+      </p:sp>
+      <p:sp>
+        <p:nvSpPr>
+          <p:cNvPr id="4" name="Slide Number Placeholder 3">
+            <a:extLst>
+              <a:ext uri="{FF2B5EF4-FFF2-40B4-BE49-F238E27FC236}">
+                <a16:creationId xmlns:a16="http://schemas.microsoft.com/office/drawing/2014/main" id="{872D2B23-7846-DE1D-E096-383132454A1B}"/>
+              </a:ext>
+            </a:extLst>
+          </p:cNvPr>
+          <p:cNvSpPr>
+            <a:spLocks noGrp="1"/>
+          </p:cNvSpPr>
+          <p:nvPr>
+            <p:ph type="sldNum" sz="quarter" idx="12"/>
+          </p:nvPr>
+        </p:nvSpPr>
+        <p:spPr/>
+        <p:txBody>
+          <a:bodyPr/>
+          <a:lstStyle/>
+          <a:p>
+            <a:fld id="{0079CAC6-A72B-4EF8-B465-34FA47827E7F}" type="slidenum">
+              <a:rPr lang="en-US" smtClean="0"/>
+              <a:t>25</a:t>
+            </a:fld>
+            <a:endParaRPr lang="en-US" dirty="0"/>
+          </a:p>
+        </p:txBody>
+      </p:sp>
+      <p:sp>
+        <p:nvSpPr>
+          <p:cNvPr id="2" name="Footer Placeholder 1">
+            <a:extLst>
+              <a:ext uri="{FF2B5EF4-FFF2-40B4-BE49-F238E27FC236}">
+                <a16:creationId xmlns:a16="http://schemas.microsoft.com/office/drawing/2014/main" id="{88F3A02B-EBDE-A1C4-048E-E606628F0D93}"/>
+              </a:ext>
+            </a:extLst>
+          </p:cNvPr>
+          <p:cNvSpPr>
+            <a:spLocks noGrp="1"/>
+          </p:cNvSpPr>
+          <p:nvPr>
+            <p:ph type="ftr" sz="quarter" idx="11"/>
+          </p:nvPr>
+        </p:nvSpPr>
+        <p:spPr/>
+        <p:txBody>
+          <a:bodyPr/>
+          <a:lstStyle/>
+          <a:p>
+            <a:r>
+              <a:rPr lang="en-US"/>
+              <a:t>Fundamental Programming with Python</a:t>
+            </a:r>
+            <a:endParaRPr lang="en-US" dirty="0"/>
+          </a:p>
+        </p:txBody>
+      </p:sp>
+    </p:spTree>
+    <p:extLst>
+      <p:ext uri="{BB962C8B-B14F-4D97-AF65-F5344CB8AC3E}">
+        <p14:creationId xmlns:p14="http://schemas.microsoft.com/office/powerpoint/2010/main" val="2564189193"/>
+      </p:ext>
+    </p:extLst>
+  </p:cSld>
+  <p:clrMapOvr>
+    <a:masterClrMapping/>
+  </p:clrMapOvr>
+</p:sld>
+</file>
+
+<file path=ppt/slides/slide26.xml><?xml version="1.0" encoding="utf-8"?>
+<p:sld xmlns:a="http://schemas.openxmlformats.org/drawingml/2006/main" xmlns:r="http://schemas.openxmlformats.org/officeDocument/2006/relationships" xmlns:p="http://schemas.openxmlformats.org/presentationml/2006/main">
+  <p:cSld>
+    <p:spTree>
+      <p:nvGrpSpPr>
+        <p:cNvPr id="1" name=""/>
+        <p:cNvGrpSpPr/>
+        <p:nvPr/>
+      </p:nvGrpSpPr>
+      <p:grpSpPr>
+        <a:xfrm>
+          <a:off x="0" y="0"/>
+          <a:ext cx="0" cy="0"/>
+          <a:chOff x="0" y="0"/>
+          <a:chExt cx="0" cy="0"/>
+        </a:xfrm>
+      </p:grpSpPr>
+      <p:sp>
+        <p:nvSpPr>
           <p:cNvPr id="2" name="Title 1">
             <a:extLst>
               <a:ext uri="{FF2B5EF4-FFF2-40B4-BE49-F238E27FC236}">
@@ -10055,7 +10193,7 @@
           <a:p>
             <a:fld id="{0079CAC6-A72B-4EF8-B465-34FA47827E7F}" type="slidenum">
               <a:rPr lang="en-US" smtClean="0"/>
-              <a:t>25</a:t>
+              <a:t>26</a:t>
             </a:fld>
             <a:endParaRPr lang="en-US" dirty="0"/>
           </a:p>
@@ -10103,152 +10241,6 @@
 </p:sld>
 </file>
 
-<file path=ppt/slides/slide26.xml><?xml version="1.0" encoding="utf-8"?>
-<p:sld xmlns:a="http://schemas.openxmlformats.org/drawingml/2006/main" xmlns:r="http://schemas.openxmlformats.org/officeDocument/2006/relationships" xmlns:p="http://schemas.openxmlformats.org/presentationml/2006/main">
-  <p:cSld>
-    <p:spTree>
-      <p:nvGrpSpPr>
-        <p:cNvPr id="1" name=""/>
-        <p:cNvGrpSpPr/>
-        <p:nvPr/>
-      </p:nvGrpSpPr>
-      <p:grpSpPr>
-        <a:xfrm>
-          <a:off x="0" y="0"/>
-          <a:ext cx="0" cy="0"/>
-          <a:chOff x="0" y="0"/>
-          <a:chExt cx="0" cy="0"/>
-        </a:xfrm>
-      </p:grpSpPr>
-      <p:sp>
-        <p:nvSpPr>
-          <p:cNvPr id="2" name="Title 1">
-            <a:extLst>
-              <a:ext uri="{FF2B5EF4-FFF2-40B4-BE49-F238E27FC236}">
-                <a16:creationId xmlns:a16="http://schemas.microsoft.com/office/drawing/2014/main" id="{D4D333D1-FAC6-1A37-632B-050909C581BA}"/>
-              </a:ext>
-            </a:extLst>
-          </p:cNvPr>
-          <p:cNvSpPr>
-            <a:spLocks noGrp="1"/>
-          </p:cNvSpPr>
-          <p:nvPr>
-            <p:ph type="title"/>
-          </p:nvPr>
-        </p:nvSpPr>
-        <p:spPr/>
-        <p:txBody>
-          <a:bodyPr/>
-          <a:lstStyle/>
-          <a:p>
-            <a:pPr algn="r" rtl="1"/>
-            <a:r>
-              <a:rPr lang="fa-IR" dirty="0">
-                <a:latin typeface="Kalameh" pitchFamily="2" charset="-78"/>
-                <a:cs typeface="Kalameh" pitchFamily="2" charset="-78"/>
-              </a:rPr>
-              <a:t>ساخت موجودی شبیه به انسان ممکن است؟</a:t>
-            </a:r>
-            <a:endParaRPr lang="en-US" dirty="0"/>
-          </a:p>
-        </p:txBody>
-      </p:sp>
-      <p:sp>
-        <p:nvSpPr>
-          <p:cNvPr id="3" name="Content Placeholder 2">
-            <a:extLst>
-              <a:ext uri="{FF2B5EF4-FFF2-40B4-BE49-F238E27FC236}">
-                <a16:creationId xmlns:a16="http://schemas.microsoft.com/office/drawing/2014/main" id="{A4D9A2D5-6A65-C908-9E46-724C0E979D83}"/>
-              </a:ext>
-            </a:extLst>
-          </p:cNvPr>
-          <p:cNvSpPr>
-            <a:spLocks noGrp="1"/>
-          </p:cNvSpPr>
-          <p:nvPr>
-            <p:ph idx="1"/>
-          </p:nvPr>
-        </p:nvSpPr>
-        <p:spPr/>
-        <p:txBody>
-          <a:bodyPr/>
-          <a:lstStyle/>
-          <a:p>
-            <a:endParaRPr lang="en-US"/>
-          </a:p>
-        </p:txBody>
-      </p:sp>
-      <p:sp>
-        <p:nvSpPr>
-          <p:cNvPr id="4" name="Footer Placeholder 3">
-            <a:extLst>
-              <a:ext uri="{FF2B5EF4-FFF2-40B4-BE49-F238E27FC236}">
-                <a16:creationId xmlns:a16="http://schemas.microsoft.com/office/drawing/2014/main" id="{9572C020-0F3B-95A7-9AE5-316F97EA1557}"/>
-              </a:ext>
-            </a:extLst>
-          </p:cNvPr>
-          <p:cNvSpPr>
-            <a:spLocks noGrp="1"/>
-          </p:cNvSpPr>
-          <p:nvPr>
-            <p:ph type="ftr" sz="quarter" idx="11"/>
-          </p:nvPr>
-        </p:nvSpPr>
-        <p:spPr/>
-        <p:txBody>
-          <a:bodyPr/>
-          <a:lstStyle/>
-          <a:p>
-            <a:r>
-              <a:rPr lang="en-US"/>
-              <a:t>Fundamental Programming with Python</a:t>
-            </a:r>
-            <a:endParaRPr lang="en-US" dirty="0"/>
-          </a:p>
-        </p:txBody>
-      </p:sp>
-      <p:sp>
-        <p:nvSpPr>
-          <p:cNvPr id="5" name="Slide Number Placeholder 4">
-            <a:extLst>
-              <a:ext uri="{FF2B5EF4-FFF2-40B4-BE49-F238E27FC236}">
-                <a16:creationId xmlns:a16="http://schemas.microsoft.com/office/drawing/2014/main" id="{72341AC6-FCDB-5741-9123-F03F4EE3A9CB}"/>
-              </a:ext>
-            </a:extLst>
-          </p:cNvPr>
-          <p:cNvSpPr>
-            <a:spLocks noGrp="1"/>
-          </p:cNvSpPr>
-          <p:nvPr>
-            <p:ph type="sldNum" sz="quarter" idx="12"/>
-          </p:nvPr>
-        </p:nvSpPr>
-        <p:spPr/>
-        <p:txBody>
-          <a:bodyPr/>
-          <a:lstStyle/>
-          <a:p>
-            <a:fld id="{0079CAC6-A72B-4EF8-B465-34FA47827E7F}" type="slidenum">
-              <a:rPr lang="en-US" smtClean="0"/>
-              <a:t>26</a:t>
-            </a:fld>
-            <a:endParaRPr lang="en-US" dirty="0"/>
-          </a:p>
-        </p:txBody>
-      </p:sp>
-    </p:spTree>
-    <p:extLst>
-      <p:ext uri="{BB962C8B-B14F-4D97-AF65-F5344CB8AC3E}">
-        <p14:creationId xmlns:p14="http://schemas.microsoft.com/office/powerpoint/2010/main" val="1800299203"/>
-      </p:ext>
-    </p:extLst>
-  </p:cSld>
-  <p:clrMapOvr>
-    <a:masterClrMapping/>
-  </p:clrMapOvr>
-</p:sld>
-</file>
-
 <file path=ppt/slides/slide27.xml><?xml version="1.0" encoding="utf-8"?>
 <p:sld xmlns:a="http://schemas.openxmlformats.org/drawingml/2006/main" xmlns:r="http://schemas.openxmlformats.org/officeDocument/2006/relationships" xmlns:p="http://schemas.openxmlformats.org/presentationml/2006/main">
   <p:cSld>
@@ -10271,6 +10263,152 @@
           <p:cNvPr id="2" name="Title 1">
             <a:extLst>
               <a:ext uri="{FF2B5EF4-FFF2-40B4-BE49-F238E27FC236}">
+                <a16:creationId xmlns:a16="http://schemas.microsoft.com/office/drawing/2014/main" id="{D4D333D1-FAC6-1A37-632B-050909C581BA}"/>
+              </a:ext>
+            </a:extLst>
+          </p:cNvPr>
+          <p:cNvSpPr>
+            <a:spLocks noGrp="1"/>
+          </p:cNvSpPr>
+          <p:nvPr>
+            <p:ph type="title"/>
+          </p:nvPr>
+        </p:nvSpPr>
+        <p:spPr/>
+        <p:txBody>
+          <a:bodyPr/>
+          <a:lstStyle/>
+          <a:p>
+            <a:pPr algn="r" rtl="1"/>
+            <a:r>
+              <a:rPr lang="fa-IR" dirty="0">
+                <a:latin typeface="Kalameh" pitchFamily="2" charset="-78"/>
+                <a:cs typeface="Kalameh" pitchFamily="2" charset="-78"/>
+              </a:rPr>
+              <a:t>ساخت موجودی شبیه به انسان ممکن است؟</a:t>
+            </a:r>
+            <a:endParaRPr lang="en-US" dirty="0"/>
+          </a:p>
+        </p:txBody>
+      </p:sp>
+      <p:sp>
+        <p:nvSpPr>
+          <p:cNvPr id="3" name="Content Placeholder 2">
+            <a:extLst>
+              <a:ext uri="{FF2B5EF4-FFF2-40B4-BE49-F238E27FC236}">
+                <a16:creationId xmlns:a16="http://schemas.microsoft.com/office/drawing/2014/main" id="{A4D9A2D5-6A65-C908-9E46-724C0E979D83}"/>
+              </a:ext>
+            </a:extLst>
+          </p:cNvPr>
+          <p:cNvSpPr>
+            <a:spLocks noGrp="1"/>
+          </p:cNvSpPr>
+          <p:nvPr>
+            <p:ph idx="1"/>
+          </p:nvPr>
+        </p:nvSpPr>
+        <p:spPr/>
+        <p:txBody>
+          <a:bodyPr/>
+          <a:lstStyle/>
+          <a:p>
+            <a:endParaRPr lang="en-US"/>
+          </a:p>
+        </p:txBody>
+      </p:sp>
+      <p:sp>
+        <p:nvSpPr>
+          <p:cNvPr id="4" name="Footer Placeholder 3">
+            <a:extLst>
+              <a:ext uri="{FF2B5EF4-FFF2-40B4-BE49-F238E27FC236}">
+                <a16:creationId xmlns:a16="http://schemas.microsoft.com/office/drawing/2014/main" id="{9572C020-0F3B-95A7-9AE5-316F97EA1557}"/>
+              </a:ext>
+            </a:extLst>
+          </p:cNvPr>
+          <p:cNvSpPr>
+            <a:spLocks noGrp="1"/>
+          </p:cNvSpPr>
+          <p:nvPr>
+            <p:ph type="ftr" sz="quarter" idx="11"/>
+          </p:nvPr>
+        </p:nvSpPr>
+        <p:spPr/>
+        <p:txBody>
+          <a:bodyPr/>
+          <a:lstStyle/>
+          <a:p>
+            <a:r>
+              <a:rPr lang="en-US"/>
+              <a:t>Fundamental Programming with Python</a:t>
+            </a:r>
+            <a:endParaRPr lang="en-US" dirty="0"/>
+          </a:p>
+        </p:txBody>
+      </p:sp>
+      <p:sp>
+        <p:nvSpPr>
+          <p:cNvPr id="5" name="Slide Number Placeholder 4">
+            <a:extLst>
+              <a:ext uri="{FF2B5EF4-FFF2-40B4-BE49-F238E27FC236}">
+                <a16:creationId xmlns:a16="http://schemas.microsoft.com/office/drawing/2014/main" id="{72341AC6-FCDB-5741-9123-F03F4EE3A9CB}"/>
+              </a:ext>
+            </a:extLst>
+          </p:cNvPr>
+          <p:cNvSpPr>
+            <a:spLocks noGrp="1"/>
+          </p:cNvSpPr>
+          <p:nvPr>
+            <p:ph type="sldNum" sz="quarter" idx="12"/>
+          </p:nvPr>
+        </p:nvSpPr>
+        <p:spPr/>
+        <p:txBody>
+          <a:bodyPr/>
+          <a:lstStyle/>
+          <a:p>
+            <a:fld id="{0079CAC6-A72B-4EF8-B465-34FA47827E7F}" type="slidenum">
+              <a:rPr lang="en-US" smtClean="0"/>
+              <a:t>27</a:t>
+            </a:fld>
+            <a:endParaRPr lang="en-US" dirty="0"/>
+          </a:p>
+        </p:txBody>
+      </p:sp>
+    </p:spTree>
+    <p:extLst>
+      <p:ext uri="{BB962C8B-B14F-4D97-AF65-F5344CB8AC3E}">
+        <p14:creationId xmlns:p14="http://schemas.microsoft.com/office/powerpoint/2010/main" val="1800299203"/>
+      </p:ext>
+    </p:extLst>
+  </p:cSld>
+  <p:clrMapOvr>
+    <a:masterClrMapping/>
+  </p:clrMapOvr>
+</p:sld>
+</file>
+
+<file path=ppt/slides/slide28.xml><?xml version="1.0" encoding="utf-8"?>
+<p:sld xmlns:a="http://schemas.openxmlformats.org/drawingml/2006/main" xmlns:r="http://schemas.openxmlformats.org/officeDocument/2006/relationships" xmlns:p="http://schemas.openxmlformats.org/presentationml/2006/main">
+  <p:cSld>
+    <p:spTree>
+      <p:nvGrpSpPr>
+        <p:cNvPr id="1" name=""/>
+        <p:cNvGrpSpPr/>
+        <p:nvPr/>
+      </p:nvGrpSpPr>
+      <p:grpSpPr>
+        <a:xfrm>
+          <a:off x="0" y="0"/>
+          <a:ext cx="0" cy="0"/>
+          <a:chOff x="0" y="0"/>
+          <a:chExt cx="0" cy="0"/>
+        </a:xfrm>
+      </p:grpSpPr>
+      <p:sp>
+        <p:nvSpPr>
+          <p:cNvPr id="2" name="Title 1">
+            <a:extLst>
+              <a:ext uri="{FF2B5EF4-FFF2-40B4-BE49-F238E27FC236}">
                 <a16:creationId xmlns:a16="http://schemas.microsoft.com/office/drawing/2014/main" id="{E971B2D1-ED4F-3F7E-6680-17E47645F005}"/>
               </a:ext>
             </a:extLst>
@@ -10345,7 +10483,7 @@
           <a:p>
             <a:fld id="{0079CAC6-A72B-4EF8-B465-34FA47827E7F}" type="slidenum">
               <a:rPr lang="en-US" smtClean="0"/>
-              <a:t>27</a:t>
+              <a:t>28</a:t>
             </a:fld>
             <a:endParaRPr lang="en-US" dirty="0"/>
           </a:p>
@@ -11749,15 +11887,7 @@
           <a:p>
             <a:r>
               <a:rPr lang="en-US" dirty="0"/>
-              <a:t>Approx.  2% Challenging Questions and Contributions in Class  </a:t>
-            </a:r>
-            <a:r>
-              <a:rPr lang="en-US"/>
-              <a:t>or Telegram group (</a:t>
-            </a:r>
-            <a:r>
-              <a:rPr lang="en-US" dirty="0"/>
-              <a:t>extra score)</a:t>
+              <a:t>Approx.  2% Challenging Questions and Contributions in Class  or Telegram group (extra score)</a:t>
             </a:r>
             <a:endParaRPr lang="fa-IR" dirty="0"/>
           </a:p>
@@ -13479,20 +13609,20 @@
 </file>
 
 <file path=customXml/item1.xml><?xml version="1.0" encoding="utf-8"?>
+<p:properties xmlns:p="http://schemas.microsoft.com/office/2006/metadata/properties" xmlns:xsi="http://www.w3.org/2001/XMLSchema-instance" xmlns:pc="http://schemas.microsoft.com/office/infopath/2007/PartnerControls">
+  <documentManagement>
+    <MediaServiceKeyPoints xmlns="71af3243-3dd4-4a8d-8c0d-dd76da1f02a5" xsi:nil="true"/>
+  </documentManagement>
+</p:properties>
+</file>
+
+<file path=customXml/item2.xml><?xml version="1.0" encoding="utf-8"?>
 <?mso-contentType ?>
 <FormTemplates xmlns="http://schemas.microsoft.com/sharepoint/v3/contenttype/forms">
   <Display>DocumentLibraryForm</Display>
   <Edit>DocumentLibraryForm</Edit>
   <New>DocumentLibraryForm</New>
 </FormTemplates>
-</file>
-
-<file path=customXml/item2.xml><?xml version="1.0" encoding="utf-8"?>
-<p:properties xmlns:p="http://schemas.microsoft.com/office/2006/metadata/properties" xmlns:xsi="http://www.w3.org/2001/XMLSchema-instance" xmlns:pc="http://schemas.microsoft.com/office/infopath/2007/PartnerControls">
-  <documentManagement>
-    <MediaServiceKeyPoints xmlns="71af3243-3dd4-4a8d-8c0d-dd76da1f02a5" xsi:nil="true"/>
-  </documentManagement>
-</p:properties>
 </file>
 
 <file path=customXml/item3.xml><?xml version="1.0" encoding="utf-8"?>
@@ -13707,19 +13837,19 @@
 </file>
 
 <file path=customXml/itemProps1.xml><?xml version="1.0" encoding="utf-8"?>
-<ds:datastoreItem xmlns:ds="http://schemas.openxmlformats.org/officeDocument/2006/customXml" ds:itemID="{19E42AFF-377A-47D3-84EF-20B0692369E9}">
+<ds:datastoreItem xmlns:ds="http://schemas.openxmlformats.org/officeDocument/2006/customXml" ds:itemID="{2A9B77A0-8658-45E5-8D19-245595005394}">
   <ds:schemaRefs>
-    <ds:schemaRef ds:uri="http://schemas.microsoft.com/sharepoint/v3/contenttype/forms"/>
+    <ds:schemaRef ds:uri="http://schemas.microsoft.com/office/2006/metadata/properties"/>
+    <ds:schemaRef ds:uri="http://schemas.microsoft.com/office/infopath/2007/PartnerControls"/>
+    <ds:schemaRef ds:uri="71af3243-3dd4-4a8d-8c0d-dd76da1f02a5"/>
   </ds:schemaRefs>
 </ds:datastoreItem>
 </file>
 
 <file path=customXml/itemProps2.xml><?xml version="1.0" encoding="utf-8"?>
-<ds:datastoreItem xmlns:ds="http://schemas.openxmlformats.org/officeDocument/2006/customXml" ds:itemID="{2A9B77A0-8658-45E5-8D19-245595005394}">
+<ds:datastoreItem xmlns:ds="http://schemas.openxmlformats.org/officeDocument/2006/customXml" ds:itemID="{19E42AFF-377A-47D3-84EF-20B0692369E9}">
   <ds:schemaRefs>
-    <ds:schemaRef ds:uri="http://schemas.microsoft.com/office/2006/metadata/properties"/>
-    <ds:schemaRef ds:uri="http://schemas.microsoft.com/office/infopath/2007/PartnerControls"/>
-    <ds:schemaRef ds:uri="71af3243-3dd4-4a8d-8c0d-dd76da1f02a5"/>
+    <ds:schemaRef ds:uri="http://schemas.microsoft.com/sharepoint/v3/contenttype/forms"/>
   </ds:schemaRefs>
 </ds:datastoreItem>
 </file>
